--- a/presentations/day1/Helmholtz - McStas_McXtrace_Intro_Day1.pptx
+++ b/presentations/day1/Helmholtz - McStas_McXtrace_Intro_Day1.pptx
@@ -4567,663 +4567,523 @@
           </a:extLst>
         </p:spPr>
       </p:pic>
-      <p:pic>
-        <p:nvPicPr>
-          <p:cNvPr id="7" name="Image" descr="Image">
+      <p:grpSp>
+        <p:nvGrpSpPr>
+          <p:cNvPr id="2" name="Group 1">
             <a:extLst>
               <a:ext uri="{FF2B5EF4-FFF2-40B4-BE49-F238E27FC236}">
-                <a16:creationId xmlns:a16="http://schemas.microsoft.com/office/drawing/2014/main" id="{340F496B-52BA-9F7E-B596-50B8A9F1016A}"/>
+                <a16:creationId xmlns:a16="http://schemas.microsoft.com/office/drawing/2014/main" id="{A99F33C5-37EE-F8B0-E8E8-43585C5033BE}"/>
               </a:ext>
             </a:extLst>
           </p:cNvPr>
-          <p:cNvPicPr>
-            <a:picLocks noChangeAspect="1"/>
-          </p:cNvPicPr>
+          <p:cNvGrpSpPr/>
           <p:nvPr/>
-        </p:nvPicPr>
-        <p:blipFill>
-          <a:blip r:embed="rId4"/>
-          <a:srcRect/>
-          <a:stretch>
-            <a:fillRect/>
-          </a:stretch>
-        </p:blipFill>
-        <p:spPr>
+        </p:nvGrpSpPr>
+        <p:grpSpPr>
           <a:xfrm>
-            <a:off x="1259437" y="1543991"/>
-            <a:ext cx="987055" cy="1320187"/>
+            <a:off x="1142557" y="1507582"/>
+            <a:ext cx="8701369" cy="1871199"/>
+            <a:chOff x="361507" y="1469482"/>
+            <a:chExt cx="8701369" cy="1871199"/>
           </a:xfrm>
-          <a:prstGeom prst="rect">
-            <a:avLst/>
-          </a:prstGeom>
-          <a:ln w="12700" cap="flat">
+        </p:grpSpPr>
+        <p:pic>
+          <p:nvPicPr>
+            <p:cNvPr id="7" name="Image" descr="Image">
+              <a:extLst>
+                <a:ext uri="{FF2B5EF4-FFF2-40B4-BE49-F238E27FC236}">
+                  <a16:creationId xmlns:a16="http://schemas.microsoft.com/office/drawing/2014/main" id="{340F496B-52BA-9F7E-B596-50B8A9F1016A}"/>
+                </a:ext>
+              </a:extLst>
+            </p:cNvPr>
+            <p:cNvPicPr>
+              <a:picLocks noChangeAspect="1"/>
+            </p:cNvPicPr>
+            <p:nvPr/>
+          </p:nvPicPr>
+          <p:blipFill>
+            <a:blip r:embed="rId4"/>
+            <a:srcRect/>
+            <a:stretch>
+              <a:fillRect/>
+            </a:stretch>
+          </p:blipFill>
+          <p:spPr>
+            <a:xfrm>
+              <a:off x="1259437" y="1543991"/>
+              <a:ext cx="987055" cy="1320187"/>
+            </a:xfrm>
+            <a:prstGeom prst="rect">
+              <a:avLst/>
+            </a:prstGeom>
+            <a:ln w="12700" cap="flat">
+              <a:noFill/>
+              <a:miter lim="400000"/>
+            </a:ln>
+            <a:effectLst>
+              <a:outerShdw blurRad="63500" dist="25400" dir="5400000" rotWithShape="0">
+                <a:srgbClr val="000000">
+                  <a:alpha val="50000"/>
+                </a:srgbClr>
+              </a:outerShdw>
+            </a:effectLst>
+          </p:spPr>
+        </p:pic>
+        <p:pic>
+          <p:nvPicPr>
+            <p:cNvPr id="8" name="unknown.png" descr="unknown.png">
+              <a:extLst>
+                <a:ext uri="{FF2B5EF4-FFF2-40B4-BE49-F238E27FC236}">
+                  <a16:creationId xmlns:a16="http://schemas.microsoft.com/office/drawing/2014/main" id="{7464C53F-50F1-174B-8E5C-CFAE1369B2B2}"/>
+                </a:ext>
+              </a:extLst>
+            </p:cNvPr>
+            <p:cNvPicPr>
+              <a:picLocks noChangeAspect="1"/>
+            </p:cNvPicPr>
+            <p:nvPr/>
+          </p:nvPicPr>
+          <p:blipFill>
+            <a:blip r:embed="rId5"/>
+            <a:srcRect l="12901" r="14374" b="7194"/>
+            <a:stretch>
+              <a:fillRect/>
+            </a:stretch>
+          </p:blipFill>
+          <p:spPr>
+            <a:xfrm>
+              <a:off x="2451562" y="1543990"/>
+              <a:ext cx="1055839" cy="1347399"/>
+            </a:xfrm>
+            <a:prstGeom prst="rect">
+              <a:avLst/>
+            </a:prstGeom>
+            <a:ln w="12700" cap="flat">
+              <a:noFill/>
+              <a:miter lim="400000"/>
+            </a:ln>
+            <a:effectLst>
+              <a:outerShdw blurRad="63500" dist="25400" dir="5400000" rotWithShape="0">
+                <a:srgbClr val="000000">
+                  <a:alpha val="50000"/>
+                </a:srgbClr>
+              </a:outerShdw>
+            </a:effectLst>
+          </p:spPr>
+        </p:pic>
+        <p:pic>
+          <p:nvPicPr>
+            <p:cNvPr id="9" name="Image" descr="Image">
+              <a:extLst>
+                <a:ext uri="{FF2B5EF4-FFF2-40B4-BE49-F238E27FC236}">
+                  <a16:creationId xmlns:a16="http://schemas.microsoft.com/office/drawing/2014/main" id="{99CC52DE-7DF6-D76E-8AF7-697BC32F6D72}"/>
+                </a:ext>
+              </a:extLst>
+            </p:cNvPr>
+            <p:cNvPicPr>
+              <a:picLocks noChangeAspect="1"/>
+            </p:cNvPicPr>
+            <p:nvPr/>
+          </p:nvPicPr>
+          <p:blipFill>
+            <a:blip r:embed="rId6"/>
+            <a:stretch>
+              <a:fillRect/>
+            </a:stretch>
+          </p:blipFill>
+          <p:spPr>
+            <a:xfrm>
+              <a:off x="5149299" y="1503563"/>
+              <a:ext cx="1055838" cy="1380711"/>
+            </a:xfrm>
+            <a:prstGeom prst="rect">
+              <a:avLst/>
+            </a:prstGeom>
+            <a:ln w="12700" cap="flat">
+              <a:noFill/>
+              <a:miter lim="400000"/>
+            </a:ln>
+            <a:effectLst/>
+          </p:spPr>
+        </p:pic>
+        <p:pic>
+          <p:nvPicPr>
+            <p:cNvPr id="10" name="Picture 9">
+              <a:extLst>
+                <a:ext uri="{FF2B5EF4-FFF2-40B4-BE49-F238E27FC236}">
+                  <a16:creationId xmlns:a16="http://schemas.microsoft.com/office/drawing/2014/main" id="{4C0D3ABF-FC19-692F-5513-D509B530BE2E}"/>
+                </a:ext>
+              </a:extLst>
+            </p:cNvPr>
+            <p:cNvPicPr>
+              <a:picLocks noChangeAspect="1"/>
+            </p:cNvPicPr>
+            <p:nvPr/>
+          </p:nvPicPr>
+          <p:blipFill>
+            <a:blip r:embed="rId7"/>
+            <a:stretch>
+              <a:fillRect/>
+            </a:stretch>
+          </p:blipFill>
+          <p:spPr>
+            <a:xfrm>
+              <a:off x="6441744" y="1508118"/>
+              <a:ext cx="990600" cy="1371600"/>
+            </a:xfrm>
+            <a:prstGeom prst="rect">
+              <a:avLst/>
+            </a:prstGeom>
+          </p:spPr>
+        </p:pic>
+        <p:pic>
+          <p:nvPicPr>
+            <p:cNvPr id="11" name="Picture 10">
+              <a:extLst>
+                <a:ext uri="{FF2B5EF4-FFF2-40B4-BE49-F238E27FC236}">
+                  <a16:creationId xmlns:a16="http://schemas.microsoft.com/office/drawing/2014/main" id="{FBB10C80-0F70-180D-E192-061D2DBB3DC8}"/>
+                </a:ext>
+              </a:extLst>
+            </p:cNvPr>
+            <p:cNvPicPr>
+              <a:picLocks noChangeAspect="1"/>
+            </p:cNvPicPr>
+            <p:nvPr/>
+          </p:nvPicPr>
+          <p:blipFill>
+            <a:blip r:embed="rId8"/>
+            <a:stretch>
+              <a:fillRect/>
+            </a:stretch>
+          </p:blipFill>
+          <p:spPr>
+            <a:xfrm>
+              <a:off x="7839566" y="1469482"/>
+              <a:ext cx="905735" cy="1421907"/>
+            </a:xfrm>
+            <a:prstGeom prst="rect">
+              <a:avLst/>
+            </a:prstGeom>
+          </p:spPr>
+        </p:pic>
+        <p:pic>
+          <p:nvPicPr>
+            <p:cNvPr id="12" name="Picture 11">
+              <a:extLst>
+                <a:ext uri="{FF2B5EF4-FFF2-40B4-BE49-F238E27FC236}">
+                  <a16:creationId xmlns:a16="http://schemas.microsoft.com/office/drawing/2014/main" id="{01D7AE35-E658-25B3-32C9-A57B8878BD8A}"/>
+                </a:ext>
+              </a:extLst>
+            </p:cNvPr>
+            <p:cNvPicPr>
+              <a:picLocks noChangeAspect="1"/>
+            </p:cNvPicPr>
+            <p:nvPr/>
+          </p:nvPicPr>
+          <p:blipFill>
+            <a:blip r:embed="rId9"/>
+            <a:stretch>
+              <a:fillRect/>
+            </a:stretch>
+          </p:blipFill>
+          <p:spPr>
+            <a:xfrm>
+              <a:off x="3812464" y="1576020"/>
+              <a:ext cx="1124295" cy="1321337"/>
+            </a:xfrm>
+            <a:prstGeom prst="rect">
+              <a:avLst/>
+            </a:prstGeom>
+          </p:spPr>
+        </p:pic>
+        <p:sp>
+          <p:nvSpPr>
+            <p:cNvPr id="13" name="TextBox 12">
+              <a:extLst>
+                <a:ext uri="{FF2B5EF4-FFF2-40B4-BE49-F238E27FC236}">
+                  <a16:creationId xmlns:a16="http://schemas.microsoft.com/office/drawing/2014/main" id="{89F8B300-48AA-CE0A-ABF1-9E05A6FCFAB7}"/>
+                </a:ext>
+              </a:extLst>
+            </p:cNvPr>
+            <p:cNvSpPr txBox="1"/>
+            <p:nvPr/>
+          </p:nvSpPr>
+          <p:spPr>
+            <a:xfrm>
+              <a:off x="1118775" y="2940500"/>
+              <a:ext cx="1223412" cy="400110"/>
+            </a:xfrm>
+            <a:prstGeom prst="rect">
+              <a:avLst/>
+            </a:prstGeom>
             <a:noFill/>
-            <a:miter lim="400000"/>
-          </a:ln>
-          <a:effectLst>
-            <a:outerShdw blurRad="63500" dist="25400" dir="5400000" rotWithShape="0">
-              <a:srgbClr val="000000">
-                <a:alpha val="50000"/>
-              </a:srgbClr>
-            </a:outerShdw>
-          </a:effectLst>
-        </p:spPr>
-      </p:pic>
-      <p:pic>
-        <p:nvPicPr>
-          <p:cNvPr id="8" name="unknown.png" descr="unknown.png">
-            <a:extLst>
-              <a:ext uri="{FF2B5EF4-FFF2-40B4-BE49-F238E27FC236}">
-                <a16:creationId xmlns:a16="http://schemas.microsoft.com/office/drawing/2014/main" id="{7464C53F-50F1-174B-8E5C-CFAE1369B2B2}"/>
-              </a:ext>
-            </a:extLst>
-          </p:cNvPr>
-          <p:cNvPicPr>
-            <a:picLocks noChangeAspect="1"/>
-          </p:cNvPicPr>
-          <p:nvPr/>
-        </p:nvPicPr>
-        <p:blipFill>
-          <a:blip r:embed="rId5"/>
-          <a:srcRect l="12901" r="14374" b="7194"/>
-          <a:stretch>
-            <a:fillRect/>
-          </a:stretch>
-        </p:blipFill>
-        <p:spPr>
-          <a:xfrm>
-            <a:off x="2451562" y="1543990"/>
-            <a:ext cx="1055839" cy="1347399"/>
-          </a:xfrm>
-          <a:prstGeom prst="rect">
-            <a:avLst/>
-          </a:prstGeom>
-          <a:ln w="12700" cap="flat">
+          </p:spPr>
+          <p:txBody>
+            <a:bodyPr wrap="none" rtlCol="0">
+              <a:spAutoFit/>
+            </a:bodyPr>
+            <a:lstStyle/>
+            <a:p>
+              <a:r>
+                <a:rPr lang="en-DK" sz="1000" dirty="0"/>
+                <a:t>Peter Willendrup</a:t>
+              </a:r>
+              <a:br>
+                <a:rPr lang="en-DK" sz="1000" dirty="0"/>
+              </a:br>
+              <a:r>
+                <a:rPr lang="en-DK" sz="1000" dirty="0"/>
+                <a:t>DTU / ESS DMSC</a:t>
+              </a:r>
+            </a:p>
+          </p:txBody>
+        </p:sp>
+        <p:sp>
+          <p:nvSpPr>
+            <p:cNvPr id="14" name="TextBox 13">
+              <a:extLst>
+                <a:ext uri="{FF2B5EF4-FFF2-40B4-BE49-F238E27FC236}">
+                  <a16:creationId xmlns:a16="http://schemas.microsoft.com/office/drawing/2014/main" id="{AF5C3762-84B1-C144-ACC8-D1DFB25A23E0}"/>
+                </a:ext>
+              </a:extLst>
+            </p:cNvPr>
+            <p:cNvSpPr txBox="1"/>
+            <p:nvPr/>
+          </p:nvSpPr>
+          <p:spPr>
+            <a:xfrm>
+              <a:off x="2451562" y="2940571"/>
+              <a:ext cx="1071127" cy="400110"/>
+            </a:xfrm>
+            <a:prstGeom prst="rect">
+              <a:avLst/>
+            </a:prstGeom>
             <a:noFill/>
-            <a:miter lim="400000"/>
-          </a:ln>
-          <a:effectLst>
-            <a:outerShdw blurRad="63500" dist="25400" dir="5400000" rotWithShape="0">
-              <a:srgbClr val="000000">
-                <a:alpha val="50000"/>
-              </a:srgbClr>
-            </a:outerShdw>
-          </a:effectLst>
-        </p:spPr>
-      </p:pic>
-      <p:pic>
-        <p:nvPicPr>
-          <p:cNvPr id="9" name="Image" descr="Image">
-            <a:extLst>
-              <a:ext uri="{FF2B5EF4-FFF2-40B4-BE49-F238E27FC236}">
-                <a16:creationId xmlns:a16="http://schemas.microsoft.com/office/drawing/2014/main" id="{99CC52DE-7DF6-D76E-8AF7-697BC32F6D72}"/>
-              </a:ext>
-            </a:extLst>
-          </p:cNvPr>
-          <p:cNvPicPr>
-            <a:picLocks noChangeAspect="1"/>
-          </p:cNvPicPr>
-          <p:nvPr/>
-        </p:nvPicPr>
-        <p:blipFill>
-          <a:blip r:embed="rId6"/>
-          <a:stretch>
-            <a:fillRect/>
-          </a:stretch>
-        </p:blipFill>
-        <p:spPr>
-          <a:xfrm>
-            <a:off x="5149299" y="1503563"/>
-            <a:ext cx="1055838" cy="1380711"/>
-          </a:xfrm>
-          <a:prstGeom prst="rect">
-            <a:avLst/>
-          </a:prstGeom>
-          <a:ln w="12700" cap="flat">
+          </p:spPr>
+          <p:txBody>
+            <a:bodyPr wrap="none" rtlCol="0">
+              <a:spAutoFit/>
+            </a:bodyPr>
+            <a:lstStyle/>
+            <a:p>
+              <a:r>
+                <a:rPr lang="en-DK" sz="1000" dirty="0"/>
+                <a:t>Mads Bertelsen</a:t>
+              </a:r>
+              <a:br>
+                <a:rPr lang="en-DK" sz="1000" dirty="0"/>
+              </a:br>
+              <a:r>
+                <a:rPr lang="en-DK" sz="1000" dirty="0"/>
+                <a:t>ESS DMSC</a:t>
+              </a:r>
+            </a:p>
+          </p:txBody>
+        </p:sp>
+        <p:sp>
+          <p:nvSpPr>
+            <p:cNvPr id="15" name="TextBox 14">
+              <a:extLst>
+                <a:ext uri="{FF2B5EF4-FFF2-40B4-BE49-F238E27FC236}">
+                  <a16:creationId xmlns:a16="http://schemas.microsoft.com/office/drawing/2014/main" id="{F83FE22C-1AB0-016C-F2E2-F3C9B7A00820}"/>
+                </a:ext>
+              </a:extLst>
+            </p:cNvPr>
+            <p:cNvSpPr txBox="1"/>
+            <p:nvPr/>
+          </p:nvSpPr>
+          <p:spPr>
+            <a:xfrm>
+              <a:off x="3794511" y="2940500"/>
+              <a:ext cx="1192955" cy="400110"/>
+            </a:xfrm>
+            <a:prstGeom prst="rect">
+              <a:avLst/>
+            </a:prstGeom>
             <a:noFill/>
-            <a:miter lim="400000"/>
-          </a:ln>
-          <a:effectLst/>
-        </p:spPr>
-      </p:pic>
-      <p:pic>
-        <p:nvPicPr>
-          <p:cNvPr id="10" name="Picture 9">
-            <a:extLst>
-              <a:ext uri="{FF2B5EF4-FFF2-40B4-BE49-F238E27FC236}">
-                <a16:creationId xmlns:a16="http://schemas.microsoft.com/office/drawing/2014/main" id="{4C0D3ABF-FC19-692F-5513-D509B530BE2E}"/>
-              </a:ext>
-            </a:extLst>
-          </p:cNvPr>
-          <p:cNvPicPr>
-            <a:picLocks noChangeAspect="1"/>
-          </p:cNvPicPr>
-          <p:nvPr/>
-        </p:nvPicPr>
-        <p:blipFill>
-          <a:blip r:embed="rId7"/>
-          <a:stretch>
-            <a:fillRect/>
-          </a:stretch>
-        </p:blipFill>
-        <p:spPr>
-          <a:xfrm>
-            <a:off x="6441744" y="1508118"/>
-            <a:ext cx="990600" cy="1371600"/>
-          </a:xfrm>
-          <a:prstGeom prst="rect">
-            <a:avLst/>
-          </a:prstGeom>
-        </p:spPr>
-      </p:pic>
-      <p:pic>
-        <p:nvPicPr>
-          <p:cNvPr id="11" name="Picture 10">
-            <a:extLst>
-              <a:ext uri="{FF2B5EF4-FFF2-40B4-BE49-F238E27FC236}">
-                <a16:creationId xmlns:a16="http://schemas.microsoft.com/office/drawing/2014/main" id="{FBB10C80-0F70-180D-E192-061D2DBB3DC8}"/>
-              </a:ext>
-            </a:extLst>
-          </p:cNvPr>
-          <p:cNvPicPr>
-            <a:picLocks noChangeAspect="1"/>
-          </p:cNvPicPr>
-          <p:nvPr/>
-        </p:nvPicPr>
-        <p:blipFill>
-          <a:blip r:embed="rId8"/>
-          <a:stretch>
-            <a:fillRect/>
-          </a:stretch>
-        </p:blipFill>
-        <p:spPr>
-          <a:xfrm>
-            <a:off x="7839566" y="1469482"/>
-            <a:ext cx="905735" cy="1421907"/>
-          </a:xfrm>
-          <a:prstGeom prst="rect">
-            <a:avLst/>
-          </a:prstGeom>
-        </p:spPr>
-      </p:pic>
-      <p:pic>
-        <p:nvPicPr>
-          <p:cNvPr id="12" name="Picture 11">
-            <a:extLst>
-              <a:ext uri="{FF2B5EF4-FFF2-40B4-BE49-F238E27FC236}">
-                <a16:creationId xmlns:a16="http://schemas.microsoft.com/office/drawing/2014/main" id="{01D7AE35-E658-25B3-32C9-A57B8878BD8A}"/>
-              </a:ext>
-            </a:extLst>
-          </p:cNvPr>
-          <p:cNvPicPr>
-            <a:picLocks noChangeAspect="1"/>
-          </p:cNvPicPr>
-          <p:nvPr/>
-        </p:nvPicPr>
-        <p:blipFill>
-          <a:blip r:embed="rId9"/>
-          <a:stretch>
-            <a:fillRect/>
-          </a:stretch>
-        </p:blipFill>
-        <p:spPr>
-          <a:xfrm>
-            <a:off x="3812464" y="1576020"/>
-            <a:ext cx="1124295" cy="1321337"/>
-          </a:xfrm>
-          <a:prstGeom prst="rect">
-            <a:avLst/>
-          </a:prstGeom>
-        </p:spPr>
-      </p:pic>
-      <p:sp>
-        <p:nvSpPr>
-          <p:cNvPr id="13" name="TextBox 12">
-            <a:extLst>
-              <a:ext uri="{FF2B5EF4-FFF2-40B4-BE49-F238E27FC236}">
-                <a16:creationId xmlns:a16="http://schemas.microsoft.com/office/drawing/2014/main" id="{89F8B300-48AA-CE0A-ABF1-9E05A6FCFAB7}"/>
-              </a:ext>
-            </a:extLst>
-          </p:cNvPr>
-          <p:cNvSpPr txBox="1"/>
-          <p:nvPr/>
-        </p:nvSpPr>
-        <p:spPr>
-          <a:xfrm>
-            <a:off x="1118775" y="2940500"/>
-            <a:ext cx="1223412" cy="400110"/>
-          </a:xfrm>
-          <a:prstGeom prst="rect">
-            <a:avLst/>
-          </a:prstGeom>
-          <a:noFill/>
-        </p:spPr>
-        <p:txBody>
-          <a:bodyPr wrap="none" rtlCol="0">
-            <a:spAutoFit/>
-          </a:bodyPr>
-          <a:lstStyle/>
-          <a:p>
-            <a:r>
-              <a:rPr lang="en-DK" sz="1000" dirty="0"/>
-              <a:t>Peter Willendrup</a:t>
-            </a:r>
-            <a:br>
-              <a:rPr lang="en-DK" sz="1000" dirty="0"/>
-            </a:br>
-            <a:r>
-              <a:rPr lang="en-DK" sz="1000" dirty="0"/>
-              <a:t>DTU / ESS DMSC</a:t>
-            </a:r>
-          </a:p>
-        </p:txBody>
-      </p:sp>
-      <p:sp>
-        <p:nvSpPr>
-          <p:cNvPr id="14" name="TextBox 13">
-            <a:extLst>
-              <a:ext uri="{FF2B5EF4-FFF2-40B4-BE49-F238E27FC236}">
-                <a16:creationId xmlns:a16="http://schemas.microsoft.com/office/drawing/2014/main" id="{AF5C3762-84B1-C144-ACC8-D1DFB25A23E0}"/>
-              </a:ext>
-            </a:extLst>
-          </p:cNvPr>
-          <p:cNvSpPr txBox="1"/>
-          <p:nvPr/>
-        </p:nvSpPr>
-        <p:spPr>
-          <a:xfrm>
-            <a:off x="2451562" y="2940571"/>
-            <a:ext cx="1071127" cy="400110"/>
-          </a:xfrm>
-          <a:prstGeom prst="rect">
-            <a:avLst/>
-          </a:prstGeom>
-          <a:noFill/>
-        </p:spPr>
-        <p:txBody>
-          <a:bodyPr wrap="none" rtlCol="0">
-            <a:spAutoFit/>
-          </a:bodyPr>
-          <a:lstStyle/>
-          <a:p>
-            <a:r>
-              <a:rPr lang="en-DK" sz="1000" dirty="0"/>
-              <a:t>Mads Bertelsen</a:t>
-            </a:r>
-            <a:br>
-              <a:rPr lang="en-DK" sz="1000" dirty="0"/>
-            </a:br>
-            <a:r>
-              <a:rPr lang="en-DK" sz="1000" dirty="0"/>
-              <a:t>ESS DMSC</a:t>
-            </a:r>
-          </a:p>
-        </p:txBody>
-      </p:sp>
-      <p:sp>
-        <p:nvSpPr>
-          <p:cNvPr id="15" name="TextBox 14">
-            <a:extLst>
-              <a:ext uri="{FF2B5EF4-FFF2-40B4-BE49-F238E27FC236}">
-                <a16:creationId xmlns:a16="http://schemas.microsoft.com/office/drawing/2014/main" id="{F83FE22C-1AB0-016C-F2E2-F3C9B7A00820}"/>
-              </a:ext>
-            </a:extLst>
-          </p:cNvPr>
-          <p:cNvSpPr txBox="1"/>
-          <p:nvPr/>
-        </p:nvSpPr>
-        <p:spPr>
-          <a:xfrm>
-            <a:off x="3794511" y="2940500"/>
-            <a:ext cx="1192955" cy="400110"/>
-          </a:xfrm>
-          <a:prstGeom prst="rect">
-            <a:avLst/>
-          </a:prstGeom>
-          <a:noFill/>
-        </p:spPr>
-        <p:txBody>
-          <a:bodyPr wrap="none" rtlCol="0">
-            <a:spAutoFit/>
-          </a:bodyPr>
-          <a:lstStyle/>
-          <a:p>
-            <a:r>
-              <a:rPr lang="en-DK" sz="1000" dirty="0"/>
-              <a:t>Gregory S Tucker</a:t>
-            </a:r>
-            <a:br>
-              <a:rPr lang="en-DK" sz="1000" dirty="0"/>
-            </a:br>
-            <a:r>
-              <a:rPr lang="en-DK" sz="1000" dirty="0"/>
-              <a:t>ESS DMSC</a:t>
-            </a:r>
-          </a:p>
-        </p:txBody>
-      </p:sp>
-      <p:sp>
-        <p:nvSpPr>
-          <p:cNvPr id="16" name="TextBox 15">
-            <a:extLst>
-              <a:ext uri="{FF2B5EF4-FFF2-40B4-BE49-F238E27FC236}">
-                <a16:creationId xmlns:a16="http://schemas.microsoft.com/office/drawing/2014/main" id="{9D89A806-D4F4-23CF-9E9D-FFF7F7AFC73B}"/>
-              </a:ext>
-            </a:extLst>
-          </p:cNvPr>
-          <p:cNvSpPr txBox="1"/>
-          <p:nvPr/>
-        </p:nvSpPr>
-        <p:spPr>
-          <a:xfrm>
-            <a:off x="5062101" y="2940500"/>
-            <a:ext cx="1230233" cy="400110"/>
-          </a:xfrm>
-          <a:prstGeom prst="rect">
-            <a:avLst/>
-          </a:prstGeom>
-          <a:noFill/>
-        </p:spPr>
-        <p:txBody>
-          <a:bodyPr wrap="none" rtlCol="0">
-            <a:spAutoFit/>
-          </a:bodyPr>
-          <a:lstStyle/>
-          <a:p>
-            <a:r>
-              <a:rPr lang="en-DK" sz="1000" dirty="0"/>
-              <a:t>Emmanuel Farhi</a:t>
-            </a:r>
-            <a:br>
-              <a:rPr lang="en-DK" sz="1000" dirty="0"/>
-            </a:br>
-            <a:r>
-              <a:rPr lang="en-DK" sz="1000" dirty="0"/>
-              <a:t>Synchrotron SOLEIL</a:t>
-            </a:r>
-          </a:p>
-        </p:txBody>
-      </p:sp>
-      <p:sp>
-        <p:nvSpPr>
-          <p:cNvPr id="17" name="TextBox 16">
-            <a:extLst>
-              <a:ext uri="{FF2B5EF4-FFF2-40B4-BE49-F238E27FC236}">
-                <a16:creationId xmlns:a16="http://schemas.microsoft.com/office/drawing/2014/main" id="{531E5B60-F04A-A7D6-4A88-22837838DD6B}"/>
-              </a:ext>
-            </a:extLst>
-          </p:cNvPr>
-          <p:cNvSpPr txBox="1"/>
-          <p:nvPr/>
-        </p:nvSpPr>
-        <p:spPr>
-          <a:xfrm>
-            <a:off x="6366969" y="2937619"/>
-            <a:ext cx="1436612" cy="400110"/>
-          </a:xfrm>
-          <a:prstGeom prst="rect">
-            <a:avLst/>
-          </a:prstGeom>
-          <a:noFill/>
-        </p:spPr>
-        <p:txBody>
-          <a:bodyPr wrap="none" rtlCol="0">
-            <a:spAutoFit/>
-          </a:bodyPr>
-          <a:lstStyle/>
-          <a:p>
-            <a:r>
-              <a:rPr lang="en-DK" sz="1000" dirty="0"/>
-              <a:t>Tobias Weber</a:t>
-            </a:r>
-            <a:br>
-              <a:rPr lang="en-DK" sz="1000" dirty="0"/>
-            </a:br>
-            <a:r>
-              <a:rPr lang="en-DK" sz="1000" dirty="0"/>
-              <a:t>Institut Laue-Langevin</a:t>
-            </a:r>
-          </a:p>
-        </p:txBody>
-      </p:sp>
-      <p:sp>
-        <p:nvSpPr>
-          <p:cNvPr id="18" name="TextBox 17">
-            <a:extLst>
-              <a:ext uri="{FF2B5EF4-FFF2-40B4-BE49-F238E27FC236}">
-                <a16:creationId xmlns:a16="http://schemas.microsoft.com/office/drawing/2014/main" id="{B005F9CE-69CE-B755-1528-35D170D3CC05}"/>
-              </a:ext>
-            </a:extLst>
-          </p:cNvPr>
-          <p:cNvSpPr txBox="1"/>
-          <p:nvPr/>
-        </p:nvSpPr>
-        <p:spPr>
-          <a:xfrm>
-            <a:off x="7700002" y="2925987"/>
-            <a:ext cx="1362874" cy="400110"/>
-          </a:xfrm>
-          <a:prstGeom prst="rect">
-            <a:avLst/>
-          </a:prstGeom>
-          <a:noFill/>
-        </p:spPr>
-        <p:txBody>
-          <a:bodyPr wrap="none" rtlCol="0">
-            <a:spAutoFit/>
-          </a:bodyPr>
-          <a:lstStyle/>
-          <a:p>
-            <a:r>
-              <a:rPr lang="en-DK" sz="1000" dirty="0"/>
-              <a:t>José Robledo</a:t>
-            </a:r>
-            <a:br>
-              <a:rPr lang="en-DK" sz="1000" dirty="0"/>
-            </a:br>
-            <a:r>
-              <a:rPr lang="en-DK" sz="1000" dirty="0"/>
-              <a:t>FZ Jülich / IAS / JSC</a:t>
-            </a:r>
-          </a:p>
-        </p:txBody>
-      </p:sp>
-      <p:sp>
-        <p:nvSpPr>
-          <p:cNvPr id="19" name="TextBox 18">
-            <a:extLst>
-              <a:ext uri="{FF2B5EF4-FFF2-40B4-BE49-F238E27FC236}">
-                <a16:creationId xmlns:a16="http://schemas.microsoft.com/office/drawing/2014/main" id="{C7DDAA6B-DFFA-622F-46E0-AC3E99B7DF55}"/>
-              </a:ext>
-            </a:extLst>
-          </p:cNvPr>
-          <p:cNvSpPr txBox="1"/>
-          <p:nvPr/>
-        </p:nvSpPr>
-        <p:spPr>
-          <a:xfrm>
-            <a:off x="361507" y="2180435"/>
-            <a:ext cx="641522" cy="307777"/>
-          </a:xfrm>
-          <a:prstGeom prst="rect">
-            <a:avLst/>
-          </a:prstGeom>
-          <a:noFill/>
-        </p:spPr>
-        <p:txBody>
-          <a:bodyPr wrap="none" rtlCol="0">
-            <a:spAutoFit/>
-          </a:bodyPr>
-          <a:lstStyle/>
-          <a:p>
-            <a:r>
-              <a:rPr lang="en-DK" dirty="0"/>
-              <a:t>Team</a:t>
-            </a:r>
-          </a:p>
-        </p:txBody>
-      </p:sp>
-      <p:sp>
-        <p:nvSpPr>
-          <p:cNvPr id="20" name="TextBox 19">
-            <a:extLst>
-              <a:ext uri="{FF2B5EF4-FFF2-40B4-BE49-F238E27FC236}">
-                <a16:creationId xmlns:a16="http://schemas.microsoft.com/office/drawing/2014/main" id="{9383802E-9907-8673-50E9-5ACBDF4BBA9D}"/>
-              </a:ext>
-            </a:extLst>
-          </p:cNvPr>
-          <p:cNvSpPr txBox="1"/>
-          <p:nvPr/>
-        </p:nvSpPr>
-        <p:spPr>
-          <a:xfrm>
-            <a:off x="2244491" y="4049342"/>
-            <a:ext cx="1337226" cy="307777"/>
-          </a:xfrm>
-          <a:prstGeom prst="rect">
-            <a:avLst/>
-          </a:prstGeom>
-          <a:noFill/>
-        </p:spPr>
-        <p:txBody>
-          <a:bodyPr wrap="none" rtlCol="0">
-            <a:spAutoFit/>
-          </a:bodyPr>
-          <a:lstStyle/>
-          <a:p>
-            <a:r>
-              <a:rPr lang="en-DK" dirty="0"/>
-              <a:t>Team Mentors</a:t>
-            </a:r>
-          </a:p>
-        </p:txBody>
-      </p:sp>
-      <p:sp>
-        <p:nvSpPr>
-          <p:cNvPr id="21" name="TextBox 20">
-            <a:extLst>
-              <a:ext uri="{FF2B5EF4-FFF2-40B4-BE49-F238E27FC236}">
-                <a16:creationId xmlns:a16="http://schemas.microsoft.com/office/drawing/2014/main" id="{9A6B2B92-42F1-C237-D307-F42DE0952A7D}"/>
-              </a:ext>
-            </a:extLst>
-          </p:cNvPr>
-          <p:cNvSpPr txBox="1"/>
-          <p:nvPr/>
-        </p:nvSpPr>
-        <p:spPr>
-          <a:xfrm>
-            <a:off x="3654650" y="5074599"/>
-            <a:ext cx="1370888" cy="415498"/>
-          </a:xfrm>
-          <a:prstGeom prst="rect">
-            <a:avLst/>
-          </a:prstGeom>
-          <a:noFill/>
-        </p:spPr>
-        <p:txBody>
-          <a:bodyPr wrap="none" rtlCol="0">
-            <a:spAutoFit/>
-          </a:bodyPr>
-          <a:lstStyle/>
-          <a:p>
-            <a:r>
-              <a:rPr lang="en-GB" sz="1100" b="0" i="0" u="none" strike="noStrike" dirty="0">
-                <a:solidFill>
-                  <a:srgbClr val="272727"/>
-                </a:solidFill>
-                <a:effectLst/>
-                <a:latin typeface="var(--custom-main-font,-apple-system,BlinkMacSystemFont,&quot;Segoe UI&quot;,Roboto,Helvetica,Arial,sans-serif,&quot;Apple Color Emoji&quot;,&quot;Segoe UI Emoji&quot;,&quot;Segoe UI Symbol&quot;)"/>
-              </a:rPr>
-              <a:t>Jan-Oliver Mirus</a:t>
-            </a:r>
-            <a:br>
-              <a:rPr lang="en-DK" sz="1000" dirty="0"/>
-            </a:br>
-            <a:r>
-              <a:rPr lang="en-DK" sz="1000" dirty="0"/>
-              <a:t>FZ Jülich / IAS / JSC</a:t>
-            </a:r>
-          </a:p>
-        </p:txBody>
-      </p:sp>
-      <p:sp>
-        <p:nvSpPr>
-          <p:cNvPr id="22" name="TextBox 21">
-            <a:extLst>
-              <a:ext uri="{FF2B5EF4-FFF2-40B4-BE49-F238E27FC236}">
-                <a16:creationId xmlns:a16="http://schemas.microsoft.com/office/drawing/2014/main" id="{BAD0ACDD-7488-26A9-6475-58026FA64A6B}"/>
-              </a:ext>
-            </a:extLst>
-          </p:cNvPr>
-          <p:cNvSpPr txBox="1"/>
-          <p:nvPr/>
-        </p:nvSpPr>
-        <p:spPr>
-          <a:xfrm>
-            <a:off x="5470451" y="5074599"/>
-            <a:ext cx="1370888" cy="415498"/>
-          </a:xfrm>
-          <a:prstGeom prst="rect">
-            <a:avLst/>
-          </a:prstGeom>
-          <a:noFill/>
-        </p:spPr>
-        <p:txBody>
-          <a:bodyPr wrap="none" rtlCol="0">
-            <a:spAutoFit/>
-          </a:bodyPr>
-          <a:lstStyle/>
-          <a:p>
-            <a:r>
-              <a:rPr lang="en-GB" sz="1100" b="0" i="0" u="none" strike="noStrike" dirty="0">
-                <a:solidFill>
-                  <a:srgbClr val="272727"/>
-                </a:solidFill>
-                <a:effectLst/>
-                <a:latin typeface="var(--custom-main-font,-apple-system,BlinkMacSystemFont,&quot;Segoe UI&quot;,Roboto,Helvetica,Arial,sans-serif,&quot;Apple Color Emoji&quot;,&quot;Segoe UI Emoji&quot;,&quot;Segoe UI Symbol&quot;)"/>
-              </a:rPr>
-              <a:t>Ilya Zhukov</a:t>
-            </a:r>
-            <a:br>
-              <a:rPr lang="en-DK" sz="1000" dirty="0"/>
-            </a:br>
-            <a:r>
-              <a:rPr lang="en-DK" sz="1000" dirty="0"/>
-              <a:t>FZ Jülich / IAS / JSC</a:t>
-            </a:r>
-          </a:p>
-        </p:txBody>
-      </p:sp>
-      <p:pic>
-        <p:nvPicPr>
-          <p:cNvPr id="23" name="Picture 22">
-            <a:extLst>
-              <a:ext uri="{FF2B5EF4-FFF2-40B4-BE49-F238E27FC236}">
-                <a16:creationId xmlns:a16="http://schemas.microsoft.com/office/drawing/2014/main" id="{243DB8EE-DB68-72AE-9936-43E24F3E4BEA}"/>
-              </a:ext>
-            </a:extLst>
-          </p:cNvPr>
-          <p:cNvPicPr>
-            <a:picLocks noChangeAspect="1"/>
-          </p:cNvPicPr>
-          <p:nvPr/>
-        </p:nvPicPr>
-        <p:blipFill>
-          <a:blip r:embed="rId10"/>
-          <a:stretch>
-            <a:fillRect/>
-          </a:stretch>
-        </p:blipFill>
-        <p:spPr>
-          <a:xfrm>
-            <a:off x="5677217" y="3664611"/>
-            <a:ext cx="948291" cy="1343412"/>
-          </a:xfrm>
-          <a:prstGeom prst="rect">
-            <a:avLst/>
-          </a:prstGeom>
-        </p:spPr>
-      </p:pic>
+          </p:spPr>
+          <p:txBody>
+            <a:bodyPr wrap="none" rtlCol="0">
+              <a:spAutoFit/>
+            </a:bodyPr>
+            <a:lstStyle/>
+            <a:p>
+              <a:r>
+                <a:rPr lang="en-DK" sz="1000" dirty="0"/>
+                <a:t>Gregory S Tucker</a:t>
+              </a:r>
+              <a:br>
+                <a:rPr lang="en-DK" sz="1000" dirty="0"/>
+              </a:br>
+              <a:r>
+                <a:rPr lang="en-DK" sz="1000" dirty="0"/>
+                <a:t>ESS DMSC</a:t>
+              </a:r>
+            </a:p>
+          </p:txBody>
+        </p:sp>
+        <p:sp>
+          <p:nvSpPr>
+            <p:cNvPr id="16" name="TextBox 15">
+              <a:extLst>
+                <a:ext uri="{FF2B5EF4-FFF2-40B4-BE49-F238E27FC236}">
+                  <a16:creationId xmlns:a16="http://schemas.microsoft.com/office/drawing/2014/main" id="{9D89A806-D4F4-23CF-9E9D-FFF7F7AFC73B}"/>
+                </a:ext>
+              </a:extLst>
+            </p:cNvPr>
+            <p:cNvSpPr txBox="1"/>
+            <p:nvPr/>
+          </p:nvSpPr>
+          <p:spPr>
+            <a:xfrm>
+              <a:off x="5062101" y="2940500"/>
+              <a:ext cx="1230233" cy="400110"/>
+            </a:xfrm>
+            <a:prstGeom prst="rect">
+              <a:avLst/>
+            </a:prstGeom>
+            <a:noFill/>
+          </p:spPr>
+          <p:txBody>
+            <a:bodyPr wrap="none" rtlCol="0">
+              <a:spAutoFit/>
+            </a:bodyPr>
+            <a:lstStyle/>
+            <a:p>
+              <a:r>
+                <a:rPr lang="en-DK" sz="1000" dirty="0"/>
+                <a:t>Emmanuel Farhi</a:t>
+              </a:r>
+              <a:br>
+                <a:rPr lang="en-DK" sz="1000" dirty="0"/>
+              </a:br>
+              <a:r>
+                <a:rPr lang="en-DK" sz="1000" dirty="0"/>
+                <a:t>Synchrotron SOLEIL</a:t>
+              </a:r>
+            </a:p>
+          </p:txBody>
+        </p:sp>
+        <p:sp>
+          <p:nvSpPr>
+            <p:cNvPr id="17" name="TextBox 16">
+              <a:extLst>
+                <a:ext uri="{FF2B5EF4-FFF2-40B4-BE49-F238E27FC236}">
+                  <a16:creationId xmlns:a16="http://schemas.microsoft.com/office/drawing/2014/main" id="{531E5B60-F04A-A7D6-4A88-22837838DD6B}"/>
+                </a:ext>
+              </a:extLst>
+            </p:cNvPr>
+            <p:cNvSpPr txBox="1"/>
+            <p:nvPr/>
+          </p:nvSpPr>
+          <p:spPr>
+            <a:xfrm>
+              <a:off x="6366969" y="2937619"/>
+              <a:ext cx="1436612" cy="400110"/>
+            </a:xfrm>
+            <a:prstGeom prst="rect">
+              <a:avLst/>
+            </a:prstGeom>
+            <a:noFill/>
+          </p:spPr>
+          <p:txBody>
+            <a:bodyPr wrap="none" rtlCol="0">
+              <a:spAutoFit/>
+            </a:bodyPr>
+            <a:lstStyle/>
+            <a:p>
+              <a:r>
+                <a:rPr lang="en-DK" sz="1000" dirty="0"/>
+                <a:t>Tobias Weber</a:t>
+              </a:r>
+              <a:br>
+                <a:rPr lang="en-DK" sz="1000" dirty="0"/>
+              </a:br>
+              <a:r>
+                <a:rPr lang="en-DK" sz="1000" dirty="0"/>
+                <a:t>Institut Laue-Langevin</a:t>
+              </a:r>
+            </a:p>
+          </p:txBody>
+        </p:sp>
+        <p:sp>
+          <p:nvSpPr>
+            <p:cNvPr id="18" name="TextBox 17">
+              <a:extLst>
+                <a:ext uri="{FF2B5EF4-FFF2-40B4-BE49-F238E27FC236}">
+                  <a16:creationId xmlns:a16="http://schemas.microsoft.com/office/drawing/2014/main" id="{B005F9CE-69CE-B755-1528-35D170D3CC05}"/>
+                </a:ext>
+              </a:extLst>
+            </p:cNvPr>
+            <p:cNvSpPr txBox="1"/>
+            <p:nvPr/>
+          </p:nvSpPr>
+          <p:spPr>
+            <a:xfrm>
+              <a:off x="7700002" y="2925987"/>
+              <a:ext cx="1362874" cy="400110"/>
+            </a:xfrm>
+            <a:prstGeom prst="rect">
+              <a:avLst/>
+            </a:prstGeom>
+            <a:noFill/>
+          </p:spPr>
+          <p:txBody>
+            <a:bodyPr wrap="none" rtlCol="0">
+              <a:spAutoFit/>
+            </a:bodyPr>
+            <a:lstStyle/>
+            <a:p>
+              <a:r>
+                <a:rPr lang="en-DK" sz="1000" dirty="0"/>
+                <a:t>José Robledo</a:t>
+              </a:r>
+              <a:br>
+                <a:rPr lang="en-DK" sz="1000" dirty="0"/>
+              </a:br>
+              <a:r>
+                <a:rPr lang="en-DK" sz="1000" dirty="0"/>
+                <a:t>FZ Jülich / IAS / JSC</a:t>
+              </a:r>
+            </a:p>
+          </p:txBody>
+        </p:sp>
+        <p:sp>
+          <p:nvSpPr>
+            <p:cNvPr id="19" name="TextBox 18">
+              <a:extLst>
+                <a:ext uri="{FF2B5EF4-FFF2-40B4-BE49-F238E27FC236}">
+                  <a16:creationId xmlns:a16="http://schemas.microsoft.com/office/drawing/2014/main" id="{C7DDAA6B-DFFA-622F-46E0-AC3E99B7DF55}"/>
+                </a:ext>
+              </a:extLst>
+            </p:cNvPr>
+            <p:cNvSpPr txBox="1"/>
+            <p:nvPr/>
+          </p:nvSpPr>
+          <p:spPr>
+            <a:xfrm>
+              <a:off x="361507" y="2180435"/>
+              <a:ext cx="641522" cy="307777"/>
+            </a:xfrm>
+            <a:prstGeom prst="rect">
+              <a:avLst/>
+            </a:prstGeom>
+            <a:noFill/>
+          </p:spPr>
+          <p:txBody>
+            <a:bodyPr wrap="none" rtlCol="0">
+              <a:spAutoFit/>
+            </a:bodyPr>
+            <a:lstStyle/>
+            <a:p>
+              <a:r>
+                <a:rPr lang="en-DK" dirty="0"/>
+                <a:t>Team</a:t>
+              </a:r>
+            </a:p>
+          </p:txBody>
+        </p:sp>
+      </p:grpSp>
       <p:sp>
         <p:nvSpPr>
           <p:cNvPr id="24" name="TextBox 23">
@@ -5329,6 +5189,218 @@
           </a:p>
         </p:txBody>
       </p:sp>
+      <p:grpSp>
+        <p:nvGrpSpPr>
+          <p:cNvPr id="4" name="Group 3">
+            <a:extLst>
+              <a:ext uri="{FF2B5EF4-FFF2-40B4-BE49-F238E27FC236}">
+                <a16:creationId xmlns:a16="http://schemas.microsoft.com/office/drawing/2014/main" id="{514AD195-1259-7B0B-2CBE-D6FC77F511FB}"/>
+              </a:ext>
+            </a:extLst>
+          </p:cNvPr>
+          <p:cNvGrpSpPr/>
+          <p:nvPr/>
+        </p:nvGrpSpPr>
+        <p:grpSpPr>
+          <a:xfrm>
+            <a:off x="2806466" y="3740811"/>
+            <a:ext cx="4596848" cy="1825486"/>
+            <a:chOff x="2244491" y="3664611"/>
+            <a:chExt cx="4596848" cy="1825486"/>
+          </a:xfrm>
+        </p:grpSpPr>
+        <p:sp>
+          <p:nvSpPr>
+            <p:cNvPr id="20" name="TextBox 19">
+              <a:extLst>
+                <a:ext uri="{FF2B5EF4-FFF2-40B4-BE49-F238E27FC236}">
+                  <a16:creationId xmlns:a16="http://schemas.microsoft.com/office/drawing/2014/main" id="{9383802E-9907-8673-50E9-5ACBDF4BBA9D}"/>
+                </a:ext>
+              </a:extLst>
+            </p:cNvPr>
+            <p:cNvSpPr txBox="1"/>
+            <p:nvPr/>
+          </p:nvSpPr>
+          <p:spPr>
+            <a:xfrm>
+              <a:off x="2244491" y="4049342"/>
+              <a:ext cx="1337226" cy="307777"/>
+            </a:xfrm>
+            <a:prstGeom prst="rect">
+              <a:avLst/>
+            </a:prstGeom>
+            <a:noFill/>
+          </p:spPr>
+          <p:txBody>
+            <a:bodyPr wrap="none" rtlCol="0">
+              <a:spAutoFit/>
+            </a:bodyPr>
+            <a:lstStyle/>
+            <a:p>
+              <a:r>
+                <a:rPr lang="en-DK" dirty="0"/>
+                <a:t>Team Mentors</a:t>
+              </a:r>
+            </a:p>
+          </p:txBody>
+        </p:sp>
+        <p:sp>
+          <p:nvSpPr>
+            <p:cNvPr id="21" name="TextBox 20">
+              <a:extLst>
+                <a:ext uri="{FF2B5EF4-FFF2-40B4-BE49-F238E27FC236}">
+                  <a16:creationId xmlns:a16="http://schemas.microsoft.com/office/drawing/2014/main" id="{9A6B2B92-42F1-C237-D307-F42DE0952A7D}"/>
+                </a:ext>
+              </a:extLst>
+            </p:cNvPr>
+            <p:cNvSpPr txBox="1"/>
+            <p:nvPr/>
+          </p:nvSpPr>
+          <p:spPr>
+            <a:xfrm>
+              <a:off x="3654650" y="5074599"/>
+              <a:ext cx="1370888" cy="415498"/>
+            </a:xfrm>
+            <a:prstGeom prst="rect">
+              <a:avLst/>
+            </a:prstGeom>
+            <a:noFill/>
+          </p:spPr>
+          <p:txBody>
+            <a:bodyPr wrap="none" rtlCol="0">
+              <a:spAutoFit/>
+            </a:bodyPr>
+            <a:lstStyle/>
+            <a:p>
+              <a:r>
+                <a:rPr lang="en-GB" sz="1100" b="0" i="0" u="none" strike="noStrike" dirty="0">
+                  <a:solidFill>
+                    <a:srgbClr val="272727"/>
+                  </a:solidFill>
+                  <a:effectLst/>
+                  <a:latin typeface="var(--custom-main-font,-apple-system,BlinkMacSystemFont,&quot;Segoe UI&quot;,Roboto,Helvetica,Arial,sans-serif,&quot;Apple Color Emoji&quot;,&quot;Segoe UI Emoji&quot;,&quot;Segoe UI Symbol&quot;)"/>
+                </a:rPr>
+                <a:t>Jan-Oliver Mirus</a:t>
+              </a:r>
+              <a:br>
+                <a:rPr lang="en-DK" sz="1000" dirty="0"/>
+              </a:br>
+              <a:r>
+                <a:rPr lang="en-DK" sz="1000" dirty="0"/>
+                <a:t>FZ Jülich / IAS / JSC</a:t>
+              </a:r>
+            </a:p>
+          </p:txBody>
+        </p:sp>
+        <p:sp>
+          <p:nvSpPr>
+            <p:cNvPr id="22" name="TextBox 21">
+              <a:extLst>
+                <a:ext uri="{FF2B5EF4-FFF2-40B4-BE49-F238E27FC236}">
+                  <a16:creationId xmlns:a16="http://schemas.microsoft.com/office/drawing/2014/main" id="{BAD0ACDD-7488-26A9-6475-58026FA64A6B}"/>
+                </a:ext>
+              </a:extLst>
+            </p:cNvPr>
+            <p:cNvSpPr txBox="1"/>
+            <p:nvPr/>
+          </p:nvSpPr>
+          <p:spPr>
+            <a:xfrm>
+              <a:off x="5470451" y="5074599"/>
+              <a:ext cx="1370888" cy="415498"/>
+            </a:xfrm>
+            <a:prstGeom prst="rect">
+              <a:avLst/>
+            </a:prstGeom>
+            <a:noFill/>
+          </p:spPr>
+          <p:txBody>
+            <a:bodyPr wrap="none" rtlCol="0">
+              <a:spAutoFit/>
+            </a:bodyPr>
+            <a:lstStyle/>
+            <a:p>
+              <a:r>
+                <a:rPr lang="en-GB" sz="1100" b="0" i="0" u="none" strike="noStrike" dirty="0">
+                  <a:solidFill>
+                    <a:srgbClr val="272727"/>
+                  </a:solidFill>
+                  <a:effectLst/>
+                  <a:latin typeface="var(--custom-main-font,-apple-system,BlinkMacSystemFont,&quot;Segoe UI&quot;,Roboto,Helvetica,Arial,sans-serif,&quot;Apple Color Emoji&quot;,&quot;Segoe UI Emoji&quot;,&quot;Segoe UI Symbol&quot;)"/>
+                </a:rPr>
+                <a:t>Ilya Zhukov</a:t>
+              </a:r>
+              <a:br>
+                <a:rPr lang="en-DK" sz="1000" dirty="0"/>
+              </a:br>
+              <a:r>
+                <a:rPr lang="en-DK" sz="1000" dirty="0"/>
+                <a:t>FZ Jülich / IAS / JSC</a:t>
+              </a:r>
+            </a:p>
+          </p:txBody>
+        </p:sp>
+        <p:pic>
+          <p:nvPicPr>
+            <p:cNvPr id="23" name="Picture 22">
+              <a:extLst>
+                <a:ext uri="{FF2B5EF4-FFF2-40B4-BE49-F238E27FC236}">
+                  <a16:creationId xmlns:a16="http://schemas.microsoft.com/office/drawing/2014/main" id="{243DB8EE-DB68-72AE-9936-43E24F3E4BEA}"/>
+                </a:ext>
+              </a:extLst>
+            </p:cNvPr>
+            <p:cNvPicPr>
+              <a:picLocks noChangeAspect="1"/>
+            </p:cNvPicPr>
+            <p:nvPr/>
+          </p:nvPicPr>
+          <p:blipFill>
+            <a:blip r:embed="rId10"/>
+            <a:stretch>
+              <a:fillRect/>
+            </a:stretch>
+          </p:blipFill>
+          <p:spPr>
+            <a:xfrm>
+              <a:off x="5677217" y="3664611"/>
+              <a:ext cx="948291" cy="1343412"/>
+            </a:xfrm>
+            <a:prstGeom prst="rect">
+              <a:avLst/>
+            </a:prstGeom>
+          </p:spPr>
+        </p:pic>
+        <p:pic>
+          <p:nvPicPr>
+            <p:cNvPr id="3" name="Picture 2" descr="A white circle on an orange background&#10;&#10;AI-generated content may be incorrect.">
+              <a:extLst>
+                <a:ext uri="{FF2B5EF4-FFF2-40B4-BE49-F238E27FC236}">
+                  <a16:creationId xmlns:a16="http://schemas.microsoft.com/office/drawing/2014/main" id="{7611122D-B31F-33FA-7FFA-90DE207E4019}"/>
+                </a:ext>
+              </a:extLst>
+            </p:cNvPr>
+            <p:cNvPicPr>
+              <a:picLocks noChangeAspect="1"/>
+            </p:cNvPicPr>
+            <p:nvPr/>
+          </p:nvPicPr>
+          <p:blipFill>
+            <a:blip r:embed="rId11"/>
+            <a:stretch>
+              <a:fillRect/>
+            </a:stretch>
+          </p:blipFill>
+          <p:spPr>
+            <a:xfrm>
+              <a:off x="3757056" y="3780074"/>
+              <a:ext cx="1154090" cy="1154090"/>
+            </a:xfrm>
+            <a:prstGeom prst="rect">
+              <a:avLst/>
+            </a:prstGeom>
+          </p:spPr>
+        </p:pic>
+      </p:grpSp>
     </p:spTree>
   </p:cSld>
   <p:clrMapOvr>
@@ -5420,7 +5492,14 @@
             </a:r>
             <a:r>
               <a:rPr lang="en-US" dirty="0"/>
-              <a:t> (neutrons) / </a:t>
+              <a:t> (neutrons) and</a:t>
+            </a:r>
+            <a:br>
+              <a:rPr lang="en-US" dirty="0"/>
+            </a:br>
+            <a:r>
+              <a:rPr lang="en-US" dirty="0"/>
+              <a:t> </a:t>
             </a:r>
             <a:r>
               <a:rPr lang="en-US" dirty="0" err="1"/>
@@ -5452,8 +5531,8 @@
         </p:nvSpPr>
         <p:spPr>
           <a:xfrm>
-            <a:off x="436740" y="2103035"/>
-            <a:ext cx="9948600" cy="3718800"/>
+            <a:off x="447241" y="2351746"/>
+            <a:ext cx="9948600" cy="2785814"/>
           </a:xfrm>
           <a:prstGeom prst="rect">
             <a:avLst/>
@@ -5508,7 +5587,7 @@
             </a:pPr>
             <a:r>
               <a:rPr lang="en-US" dirty="0"/>
-              <a:t>Algorithmic motif: Monte Carlo ray-tracing</a:t>
+              <a:t>Algorithmic motif: Monte Carlo ray-tracing </a:t>
             </a:r>
           </a:p>
           <a:p>
@@ -5598,15 +5677,7 @@
             </a:pPr>
             <a:r>
               <a:rPr lang="en-US" dirty="0"/>
-              <a:t>Focus</a:t>
-            </a:r>
-            <a:r>
-              <a:rPr lang="en-US"/>
-              <a:t>: Compute performance </a:t>
-            </a:r>
-            <a:r>
-              <a:rPr lang="en-US" dirty="0"/>
-              <a:t>tuning, finding bottlenecks</a:t>
+              <a:t>Focus: Compute performance tuning, finding bottlenecks</a:t>
             </a:r>
             <a:endParaRPr dirty="0"/>
           </a:p>
@@ -5638,14 +5709,14 @@
             </a:r>
             <a:r>
               <a:rPr lang="en-US" dirty="0"/>
-              <a:t>, ~ 95% functional</a:t>
+              <a:t>, ~ 95% functional via:</a:t>
             </a:r>
           </a:p>
           <a:p>
             <a:pPr lvl="1"/>
             <a:r>
               <a:rPr lang="en-US" dirty="0"/>
-              <a:t>Dresden Hackathon 2017, Espoo Hackathon 2019</a:t>
+              <a:t>Dresden Hackathon 2017, Espoo Hackathon 2019, own efforts.</a:t>
             </a:r>
           </a:p>
         </p:txBody>
@@ -5664,7 +5735,7 @@
         </p:nvGrpSpPr>
         <p:grpSpPr>
           <a:xfrm>
-            <a:off x="4199863" y="3048980"/>
+            <a:off x="4228438" y="3295650"/>
             <a:ext cx="616686" cy="220662"/>
             <a:chOff x="4199863" y="3080879"/>
             <a:chExt cx="616686" cy="220662"/>
@@ -5801,6 +5872,150 @@
               </a14:hiddenFill>
             </a:ext>
           </a:extLst>
+        </p:spPr>
+      </p:pic>
+      <p:sp>
+        <p:nvSpPr>
+          <p:cNvPr id="3" name="TextBox 2">
+            <a:extLst>
+              <a:ext uri="{FF2B5EF4-FFF2-40B4-BE49-F238E27FC236}">
+                <a16:creationId xmlns:a16="http://schemas.microsoft.com/office/drawing/2014/main" id="{F459A7AB-3B3B-687D-1F2E-4D899B087D1E}"/>
+              </a:ext>
+            </a:extLst>
+          </p:cNvPr>
+          <p:cNvSpPr txBox="1"/>
+          <p:nvPr/>
+        </p:nvSpPr>
+        <p:spPr>
+          <a:xfrm>
+            <a:off x="6659336" y="2163648"/>
+            <a:ext cx="4346657" cy="867930"/>
+          </a:xfrm>
+          <a:prstGeom prst="rect">
+            <a:avLst/>
+          </a:prstGeom>
+          <a:noFill/>
+        </p:spPr>
+        <p:txBody>
+          <a:bodyPr wrap="square">
+            <a:spAutoFit/>
+          </a:bodyPr>
+          <a:lstStyle/>
+          <a:p>
+            <a:pPr marL="101600" lvl="0" algn="l" rtl="0">
+              <a:lnSpc>
+                <a:spcPct val="90000"/>
+              </a:lnSpc>
+              <a:spcBef>
+                <a:spcPts val="900"/>
+              </a:spcBef>
+              <a:spcAft>
+                <a:spcPts val="0"/>
+              </a:spcAft>
+              <a:buClr>
+                <a:srgbClr val="868686"/>
+              </a:buClr>
+              <a:buSzPts val="2000"/>
+            </a:pPr>
+            <a:r>
+              <a:rPr lang="en-US" dirty="0"/>
+              <a:t>‘Particle beams to probe condensed matter’, design </a:t>
+            </a:r>
+            <a:r>
+              <a:rPr lang="en-US" sz="1400" dirty="0"/>
+              <a:t>‘scattering instrumentation’ at user facilities. </a:t>
+            </a:r>
+            <a:br>
+              <a:rPr lang="en-US" sz="1400" dirty="0"/>
+            </a:br>
+            <a:r>
+              <a:rPr lang="en-US" sz="1400" dirty="0"/>
+              <a:t>N: </a:t>
+            </a:r>
+            <a:r>
+              <a:rPr lang="en-US" dirty="0"/>
+              <a:t>r</a:t>
+            </a:r>
+            <a:r>
+              <a:rPr lang="en-US" sz="1400" dirty="0"/>
+              <a:t>esearch reactors, spallation sources, </a:t>
+            </a:r>
+            <a:br>
+              <a:rPr lang="en-US" sz="1400" dirty="0"/>
+            </a:br>
+            <a:r>
+              <a:rPr lang="en-US" sz="1400" dirty="0"/>
+              <a:t>X: labs, </a:t>
+            </a:r>
+            <a:r>
+              <a:rPr lang="en-US" dirty="0"/>
+              <a:t>s</a:t>
+            </a:r>
+            <a:r>
+              <a:rPr lang="en-US" sz="1400" dirty="0"/>
+              <a:t>ynchrotrons, FELs, space telescopes</a:t>
+            </a:r>
+          </a:p>
+        </p:txBody>
+      </p:sp>
+      <p:pic>
+        <p:nvPicPr>
+          <p:cNvPr id="4" name="Picture 3">
+            <a:extLst>
+              <a:ext uri="{FF2B5EF4-FFF2-40B4-BE49-F238E27FC236}">
+                <a16:creationId xmlns:a16="http://schemas.microsoft.com/office/drawing/2014/main" id="{767D8FAB-D0D3-890F-BA14-2F7FDF68E69F}"/>
+              </a:ext>
+            </a:extLst>
+          </p:cNvPr>
+          <p:cNvPicPr>
+            <a:picLocks noChangeAspect="1"/>
+          </p:cNvPicPr>
+          <p:nvPr/>
+        </p:nvPicPr>
+        <p:blipFill>
+          <a:blip r:embed="rId4"/>
+          <a:stretch>
+            <a:fillRect/>
+          </a:stretch>
+        </p:blipFill>
+        <p:spPr>
+          <a:xfrm>
+            <a:off x="7987760" y="0"/>
+            <a:ext cx="2985040" cy="2161518"/>
+          </a:xfrm>
+          <a:prstGeom prst="rect">
+            <a:avLst/>
+          </a:prstGeom>
+        </p:spPr>
+      </p:pic>
+      <p:pic>
+        <p:nvPicPr>
+          <p:cNvPr id="5" name="Picture 4">
+            <a:extLst>
+              <a:ext uri="{FF2B5EF4-FFF2-40B4-BE49-F238E27FC236}">
+                <a16:creationId xmlns:a16="http://schemas.microsoft.com/office/drawing/2014/main" id="{35B7F00E-25F3-981E-5E7B-EF56F787CDB7}"/>
+              </a:ext>
+            </a:extLst>
+          </p:cNvPr>
+          <p:cNvPicPr>
+            <a:picLocks noChangeAspect="1"/>
+          </p:cNvPicPr>
+          <p:nvPr/>
+        </p:nvPicPr>
+        <p:blipFill>
+          <a:blip r:embed="rId5"/>
+          <a:stretch>
+            <a:fillRect/>
+          </a:stretch>
+        </p:blipFill>
+        <p:spPr>
+          <a:xfrm>
+            <a:off x="6127678" y="505542"/>
+            <a:ext cx="1868919" cy="1150433"/>
+          </a:xfrm>
+          <a:prstGeom prst="rect">
+            <a:avLst/>
+          </a:prstGeom>
         </p:spPr>
       </p:pic>
     </p:spTree>
